--- a/docs/UI_template.pptx
+++ b/docs/UI_template.pptx
@@ -5,7 +5,8 @@
     <p:sldMasterId id="2147483648" r:id="rId1"/>
   </p:sldMasterIdLst>
   <p:sldIdLst>
-    <p:sldId id="256" r:id="rId2"/>
+    <p:sldId id="257" r:id="rId2"/>
+    <p:sldId id="256" r:id="rId3"/>
   </p:sldIdLst>
   <p:sldSz cx="9144000" cy="6858000" type="screen4x3"/>
   <p:notesSz cx="6858000" cy="9144000"/>
@@ -288,7 +289,7 @@
           <a:p>
             <a:fld id="{0571DE6C-94C2-42A6-B759-80265BC6C88B}" type="datetimeFigureOut">
               <a:rPr lang="en-US" smtClean="0"/>
-              <a:t>6/13/2014</a:t>
+              <a:t>6/16/2014</a:t>
             </a:fld>
             <a:endParaRPr lang="en-US"/>
           </a:p>
@@ -458,7 +459,7 @@
           <a:p>
             <a:fld id="{0571DE6C-94C2-42A6-B759-80265BC6C88B}" type="datetimeFigureOut">
               <a:rPr lang="en-US" smtClean="0"/>
-              <a:t>6/13/2014</a:t>
+              <a:t>6/16/2014</a:t>
             </a:fld>
             <a:endParaRPr lang="en-US"/>
           </a:p>
@@ -638,7 +639,7 @@
           <a:p>
             <a:fld id="{0571DE6C-94C2-42A6-B759-80265BC6C88B}" type="datetimeFigureOut">
               <a:rPr lang="en-US" smtClean="0"/>
-              <a:t>6/13/2014</a:t>
+              <a:t>6/16/2014</a:t>
             </a:fld>
             <a:endParaRPr lang="en-US"/>
           </a:p>
@@ -808,7 +809,7 @@
           <a:p>
             <a:fld id="{0571DE6C-94C2-42A6-B759-80265BC6C88B}" type="datetimeFigureOut">
               <a:rPr lang="en-US" smtClean="0"/>
-              <a:t>6/13/2014</a:t>
+              <a:t>6/16/2014</a:t>
             </a:fld>
             <a:endParaRPr lang="en-US"/>
           </a:p>
@@ -1054,7 +1055,7 @@
           <a:p>
             <a:fld id="{0571DE6C-94C2-42A6-B759-80265BC6C88B}" type="datetimeFigureOut">
               <a:rPr lang="en-US" smtClean="0"/>
-              <a:t>6/13/2014</a:t>
+              <a:t>6/16/2014</a:t>
             </a:fld>
             <a:endParaRPr lang="en-US"/>
           </a:p>
@@ -1342,7 +1343,7 @@
           <a:p>
             <a:fld id="{0571DE6C-94C2-42A6-B759-80265BC6C88B}" type="datetimeFigureOut">
               <a:rPr lang="en-US" smtClean="0"/>
-              <a:t>6/13/2014</a:t>
+              <a:t>6/16/2014</a:t>
             </a:fld>
             <a:endParaRPr lang="en-US"/>
           </a:p>
@@ -1764,7 +1765,7 @@
           <a:p>
             <a:fld id="{0571DE6C-94C2-42A6-B759-80265BC6C88B}" type="datetimeFigureOut">
               <a:rPr lang="en-US" smtClean="0"/>
-              <a:t>6/13/2014</a:t>
+              <a:t>6/16/2014</a:t>
             </a:fld>
             <a:endParaRPr lang="en-US"/>
           </a:p>
@@ -1882,7 +1883,7 @@
           <a:p>
             <a:fld id="{0571DE6C-94C2-42A6-B759-80265BC6C88B}" type="datetimeFigureOut">
               <a:rPr lang="en-US" smtClean="0"/>
-              <a:t>6/13/2014</a:t>
+              <a:t>6/16/2014</a:t>
             </a:fld>
             <a:endParaRPr lang="en-US"/>
           </a:p>
@@ -1977,7 +1978,7 @@
           <a:p>
             <a:fld id="{0571DE6C-94C2-42A6-B759-80265BC6C88B}" type="datetimeFigureOut">
               <a:rPr lang="en-US" smtClean="0"/>
-              <a:t>6/13/2014</a:t>
+              <a:t>6/16/2014</a:t>
             </a:fld>
             <a:endParaRPr lang="en-US"/>
           </a:p>
@@ -2254,7 +2255,7 @@
           <a:p>
             <a:fld id="{0571DE6C-94C2-42A6-B759-80265BC6C88B}" type="datetimeFigureOut">
               <a:rPr lang="en-US" smtClean="0"/>
-              <a:t>6/13/2014</a:t>
+              <a:t>6/16/2014</a:t>
             </a:fld>
             <a:endParaRPr lang="en-US"/>
           </a:p>
@@ -2507,7 +2508,7 @@
           <a:p>
             <a:fld id="{0571DE6C-94C2-42A6-B759-80265BC6C88B}" type="datetimeFigureOut">
               <a:rPr lang="en-US" smtClean="0"/>
-              <a:t>6/13/2014</a:t>
+              <a:t>6/16/2014</a:t>
             </a:fld>
             <a:endParaRPr lang="en-US"/>
           </a:p>
@@ -2720,7 +2721,7 @@
           <a:p>
             <a:fld id="{0571DE6C-94C2-42A6-B759-80265BC6C88B}" type="datetimeFigureOut">
               <a:rPr lang="en-US" smtClean="0"/>
-              <a:t>6/13/2014</a:t>
+              <a:t>6/16/2014</a:t>
             </a:fld>
             <a:endParaRPr lang="en-US"/>
           </a:p>
@@ -3102,26 +3103,26 @@
             <a:spLocks noGrp="1"/>
           </p:cNvSpPr>
           <p:nvPr>
-            <p:ph type="ctrTitle"/>
-          </p:nvPr>
-        </p:nvSpPr>
-        <p:spPr/>
-        <p:txBody>
-          <a:bodyPr/>
-          <a:lstStyle/>
-          <a:p>
-            <a:endParaRPr lang="en-US"/>
-          </a:p>
-        </p:txBody>
-      </p:sp>
-      <p:sp>
-        <p:nvSpPr>
-          <p:cNvPr id="3" name="Subtitle 2"/>
-          <p:cNvSpPr>
-            <a:spLocks noGrp="1"/>
-          </p:cNvSpPr>
-          <p:nvPr>
-            <p:ph type="subTitle" idx="1"/>
+            <p:ph type="title"/>
+          </p:nvPr>
+        </p:nvSpPr>
+        <p:spPr/>
+        <p:txBody>
+          <a:bodyPr/>
+          <a:lstStyle/>
+          <a:p>
+            <a:endParaRPr lang="en-US"/>
+          </a:p>
+        </p:txBody>
+      </p:sp>
+      <p:sp>
+        <p:nvSpPr>
+          <p:cNvPr id="3" name="Content Placeholder 2"/>
+          <p:cNvSpPr>
+            <a:spLocks noGrp="1"/>
+          </p:cNvSpPr>
+          <p:nvPr>
+            <p:ph idx="1"/>
           </p:nvPr>
         </p:nvSpPr>
         <p:spPr/>
@@ -3141,8 +3142,114 @@
         </p:nvSpPr>
         <p:spPr>
           <a:xfrm>
-            <a:off x="545507" y="1219200"/>
-            <a:ext cx="8077200" cy="4876800"/>
+            <a:off x="304800" y="228600"/>
+            <a:ext cx="8458200" cy="6248400"/>
+          </a:xfrm>
+          <a:prstGeom prst="rect">
+            <a:avLst/>
+          </a:prstGeom>
+        </p:spPr>
+        <p:style>
+          <a:lnRef idx="2">
+            <a:schemeClr val="accent1"/>
+          </a:lnRef>
+          <a:fillRef idx="1">
+            <a:schemeClr val="lt1"/>
+          </a:fillRef>
+          <a:effectRef idx="0">
+            <a:schemeClr val="accent1"/>
+          </a:effectRef>
+          <a:fontRef idx="minor">
+            <a:schemeClr val="dk1"/>
+          </a:fontRef>
+        </p:style>
+        <p:txBody>
+          <a:bodyPr rtlCol="0" anchor="ctr"/>
+          <a:lstStyle/>
+          <a:p>
+            <a:pPr algn="ctr"/>
+            <a:endParaRPr lang="en-US"/>
+          </a:p>
+        </p:txBody>
+      </p:sp>
+    </p:spTree>
+    <p:extLst>
+      <p:ext uri="{BB962C8B-B14F-4D97-AF65-F5344CB8AC3E}">
+        <p14:creationId xmlns:p14="http://schemas.microsoft.com/office/powerpoint/2010/main" val="3012654145"/>
+      </p:ext>
+    </p:extLst>
+  </p:cSld>
+  <p:clrMapOvr>
+    <a:masterClrMapping/>
+  </p:clrMapOvr>
+</p:sld>
+</file>
+
+<file path=ppt/slides/slide2.xml><?xml version="1.0" encoding="utf-8"?>
+<p:sld xmlns:a="http://schemas.openxmlformats.org/drawingml/2006/main" xmlns:r="http://schemas.openxmlformats.org/officeDocument/2006/relationships" xmlns:p="http://schemas.openxmlformats.org/presentationml/2006/main">
+  <p:cSld>
+    <p:spTree>
+      <p:nvGrpSpPr>
+        <p:cNvPr id="1" name=""/>
+        <p:cNvGrpSpPr/>
+        <p:nvPr/>
+      </p:nvGrpSpPr>
+      <p:grpSpPr>
+        <a:xfrm>
+          <a:off x="0" y="0"/>
+          <a:ext cx="0" cy="0"/>
+          <a:chOff x="0" y="0"/>
+          <a:chExt cx="0" cy="0"/>
+        </a:xfrm>
+      </p:grpSpPr>
+      <p:sp>
+        <p:nvSpPr>
+          <p:cNvPr id="2" name="Title 1"/>
+          <p:cNvSpPr>
+            <a:spLocks noGrp="1"/>
+          </p:cNvSpPr>
+          <p:nvPr>
+            <p:ph type="ctrTitle"/>
+          </p:nvPr>
+        </p:nvSpPr>
+        <p:spPr/>
+        <p:txBody>
+          <a:bodyPr/>
+          <a:lstStyle/>
+          <a:p>
+            <a:endParaRPr lang="en-US"/>
+          </a:p>
+        </p:txBody>
+      </p:sp>
+      <p:sp>
+        <p:nvSpPr>
+          <p:cNvPr id="3" name="Subtitle 2"/>
+          <p:cNvSpPr>
+            <a:spLocks noGrp="1"/>
+          </p:cNvSpPr>
+          <p:nvPr>
+            <p:ph type="subTitle" idx="1"/>
+          </p:nvPr>
+        </p:nvSpPr>
+        <p:spPr/>
+        <p:txBody>
+          <a:bodyPr/>
+          <a:lstStyle/>
+          <a:p>
+            <a:endParaRPr lang="en-US"/>
+          </a:p>
+        </p:txBody>
+      </p:sp>
+      <p:sp>
+        <p:nvSpPr>
+          <p:cNvPr id="4" name="Rectangle 3"/>
+          <p:cNvSpPr/>
+          <p:nvPr/>
+        </p:nvSpPr>
+        <p:spPr>
+          <a:xfrm>
+            <a:off x="304800" y="304800"/>
+            <a:ext cx="8534400" cy="6248400"/>
           </a:xfrm>
           <a:prstGeom prst="rect">
             <a:avLst/>
@@ -3201,7 +3308,7 @@
         </p:nvSpPr>
         <p:spPr>
           <a:xfrm>
-            <a:off x="609600" y="1295400"/>
+            <a:off x="2438400" y="457201"/>
             <a:ext cx="1981200" cy="762000"/>
           </a:xfrm>
           <a:prstGeom prst="rect">
@@ -3261,7 +3368,7 @@
         </p:nvSpPr>
         <p:spPr>
           <a:xfrm>
-            <a:off x="4800600" y="1523999"/>
+            <a:off x="6629400" y="685800"/>
             <a:ext cx="1828800" cy="527703"/>
           </a:xfrm>
           <a:prstGeom prst="rect">
@@ -3321,7 +3428,7 @@
         </p:nvSpPr>
         <p:spPr>
           <a:xfrm>
-            <a:off x="2755307" y="1524000"/>
+            <a:off x="4584107" y="685801"/>
             <a:ext cx="1828800" cy="535536"/>
           </a:xfrm>
           <a:prstGeom prst="rect">
@@ -3502,6 +3609,58 @@
               <a:t>thể</a:t>
             </a:r>
             <a:endParaRPr lang="en-US" dirty="0"/>
+          </a:p>
+        </p:txBody>
+      </p:sp>
+      <p:sp>
+        <p:nvSpPr>
+          <p:cNvPr id="11" name="Rectangle 10"/>
+          <p:cNvSpPr/>
+          <p:nvPr/>
+        </p:nvSpPr>
+        <p:spPr>
+          <a:xfrm>
+            <a:off x="457200" y="685801"/>
+            <a:ext cx="1828800" cy="535536"/>
+          </a:xfrm>
+          <a:prstGeom prst="rect">
+            <a:avLst/>
+          </a:prstGeom>
+        </p:spPr>
+        <p:style>
+          <a:lnRef idx="2">
+            <a:schemeClr val="accent1">
+              <a:shade val="50000"/>
+            </a:schemeClr>
+          </a:lnRef>
+          <a:fillRef idx="1">
+            <a:schemeClr val="accent1"/>
+          </a:fillRef>
+          <a:effectRef idx="0">
+            <a:schemeClr val="accent1"/>
+          </a:effectRef>
+          <a:fontRef idx="minor">
+            <a:schemeClr val="lt1"/>
+          </a:fontRef>
+        </p:style>
+        <p:txBody>
+          <a:bodyPr rtlCol="0" anchor="ctr"/>
+          <a:lstStyle/>
+          <a:p>
+            <a:pPr algn="ctr"/>
+            <a:r>
+              <a:rPr lang="en-US" dirty="0" err="1" smtClean="0"/>
+              <a:t>Rao</a:t>
+            </a:r>
+            <a:r>
+              <a:rPr lang="en-US" dirty="0" smtClean="0"/>
+              <a:t> </a:t>
+            </a:r>
+            <a:r>
+              <a:rPr lang="en-US" dirty="0" err="1" smtClean="0"/>
+              <a:t>vặt</a:t>
+            </a:r>
+            <a:endParaRPr lang="en-US" dirty="0" smtClean="0"/>
           </a:p>
         </p:txBody>
       </p:sp>
